--- a/Presentazione.pptx
+++ b/Presentazione.pptx
@@ -146,6 +146,11 @@
       </a:defRPr>
     </a:lvl9pPr>
   </p:defaultTextStyle>
+  <p:extLst>
+    <p:ext uri="{EFAFB233-063F-42B5-8137-9DF3F51BA10A}">
+      <p15:sldGuideLst xmlns:p15="http://schemas.microsoft.com/office/powerpoint/2012/main"/>
+    </p:ext>
+  </p:extLst>
 </p:presentation>
 </file>
 
@@ -7247,10 +7252,10 @@
       </p:sp>
       <p:pic>
         <p:nvPicPr>
-          <p:cNvPr id="14" name="Immagine 13">
-            <a:extLst>
-              <a:ext uri="{FF2B5EF4-FFF2-40B4-BE49-F238E27FC236}">
-                <a16:creationId xmlns:a16="http://schemas.microsoft.com/office/drawing/2014/main" id="{22F48F5F-7125-2A10-0723-B8BA8EDBE601}"/>
+          <p:cNvPr id="3" name="Immagine 2" descr="Immagine che contiene testo, clipart&#10;&#10;Descrizione generata automaticamente">
+            <a:extLst>
+              <a:ext uri="{FF2B5EF4-FFF2-40B4-BE49-F238E27FC236}">
+                <a16:creationId xmlns:a16="http://schemas.microsoft.com/office/drawing/2014/main" id="{F515A1A4-91DD-6842-8C21-B4E7324A003E}"/>
               </a:ext>
             </a:extLst>
           </p:cNvPr>
@@ -7273,8 +7278,8 @@
         </p:blipFill>
         <p:spPr>
           <a:xfrm>
-            <a:off x="3107328" y="672813"/>
-            <a:ext cx="5588395" cy="1925414"/>
+            <a:off x="3107328" y="643083"/>
+            <a:ext cx="6166580" cy="2124619"/>
           </a:xfrm>
           <a:prstGeom prst="rect">
             <a:avLst/>

--- a/Presentazione.pptx
+++ b/Presentazione.pptx
@@ -236,7 +236,7 @@
           <a:p>
             <a:fld id="{112E5275-33A5-48AA-9EE1-38E08383A242}" type="datetimeFigureOut">
               <a:rPr lang="it-IT" smtClean="0"/>
-              <a:t>12/07/2022</a:t>
+              <a:t>13/07/2022</a:t>
             </a:fld>
             <a:endParaRPr lang="it-IT"/>
           </a:p>
@@ -547,10 +547,7 @@
           <a:bodyPr/>
           <a:lstStyle/>
           <a:p>
-            <a:r>
-              <a:rPr lang="it-IT" dirty="0"/>
-              <a:t>Accennare al fatto che il questionario è stato sottomesso ad amici e familiari</a:t>
-            </a:r>
+            <a:endParaRPr lang="it-IT" dirty="0"/>
           </a:p>
         </p:txBody>
       </p:sp>
@@ -571,7 +568,7 @@
           <a:p>
             <a:fld id="{3E16BAD1-43F0-43B1-94A6-F315BBC912A5}" type="slidenum">
               <a:rPr lang="it-IT" smtClean="0"/>
-              <a:t>3</a:t>
+              <a:t>1</a:t>
             </a:fld>
             <a:endParaRPr lang="it-IT"/>
           </a:p>
@@ -580,7 +577,7 @@
     </p:spTree>
     <p:extLst>
       <p:ext uri="{BB962C8B-B14F-4D97-AF65-F5344CB8AC3E}">
-        <p14:creationId xmlns:p14="http://schemas.microsoft.com/office/powerpoint/2010/main" val="1563582880"/>
+        <p14:creationId xmlns:p14="http://schemas.microsoft.com/office/powerpoint/2010/main" val="2695509947"/>
       </p:ext>
     </p:extLst>
   </p:cSld>
@@ -634,7 +631,10 @@
           <a:bodyPr/>
           <a:lstStyle/>
           <a:p>
-            <a:endParaRPr lang="it-IT" dirty="0"/>
+            <a:r>
+              <a:rPr lang="it-IT" dirty="0"/>
+              <a:t>Descrivere a grandi linee i due profili utente</a:t>
+            </a:r>
           </a:p>
         </p:txBody>
       </p:sp>
@@ -655,7 +655,7 @@
           <a:p>
             <a:fld id="{3E16BAD1-43F0-43B1-94A6-F315BBC912A5}" type="slidenum">
               <a:rPr lang="it-IT" smtClean="0"/>
-              <a:t>16</a:t>
+              <a:t>15</a:t>
             </a:fld>
             <a:endParaRPr lang="it-IT"/>
           </a:p>
@@ -664,7 +664,7 @@
     </p:spTree>
     <p:extLst>
       <p:ext uri="{BB962C8B-B14F-4D97-AF65-F5344CB8AC3E}">
-        <p14:creationId xmlns:p14="http://schemas.microsoft.com/office/powerpoint/2010/main" val="3112172114"/>
+        <p14:creationId xmlns:p14="http://schemas.microsoft.com/office/powerpoint/2010/main" val="1075279343"/>
       </p:ext>
     </p:extLst>
   </p:cSld>
@@ -739,7 +739,7 @@
           <a:p>
             <a:fld id="{3E16BAD1-43F0-43B1-94A6-F315BBC912A5}" type="slidenum">
               <a:rPr lang="it-IT" smtClean="0"/>
-              <a:t>17</a:t>
+              <a:t>16</a:t>
             </a:fld>
             <a:endParaRPr lang="it-IT"/>
           </a:p>
@@ -748,7 +748,7 @@
     </p:spTree>
     <p:extLst>
       <p:ext uri="{BB962C8B-B14F-4D97-AF65-F5344CB8AC3E}">
-        <p14:creationId xmlns:p14="http://schemas.microsoft.com/office/powerpoint/2010/main" val="1774858854"/>
+        <p14:creationId xmlns:p14="http://schemas.microsoft.com/office/powerpoint/2010/main" val="3112172114"/>
       </p:ext>
     </p:extLst>
   </p:cSld>
@@ -823,7 +823,7 @@
           <a:p>
             <a:fld id="{3E16BAD1-43F0-43B1-94A6-F315BBC912A5}" type="slidenum">
               <a:rPr lang="it-IT" smtClean="0"/>
-              <a:t>18</a:t>
+              <a:t>17</a:t>
             </a:fld>
             <a:endParaRPr lang="it-IT"/>
           </a:p>
@@ -832,7 +832,7 @@
     </p:spTree>
     <p:extLst>
       <p:ext uri="{BB962C8B-B14F-4D97-AF65-F5344CB8AC3E}">
-        <p14:creationId xmlns:p14="http://schemas.microsoft.com/office/powerpoint/2010/main" val="2267798927"/>
+        <p14:creationId xmlns:p14="http://schemas.microsoft.com/office/powerpoint/2010/main" val="1774858854"/>
       </p:ext>
     </p:extLst>
   </p:cSld>
@@ -907,7 +907,7 @@
           <a:p>
             <a:fld id="{3E16BAD1-43F0-43B1-94A6-F315BBC912A5}" type="slidenum">
               <a:rPr lang="it-IT" smtClean="0"/>
-              <a:t>19</a:t>
+              <a:t>18</a:t>
             </a:fld>
             <a:endParaRPr lang="it-IT"/>
           </a:p>
@@ -916,7 +916,7 @@
     </p:spTree>
     <p:extLst>
       <p:ext uri="{BB962C8B-B14F-4D97-AF65-F5344CB8AC3E}">
-        <p14:creationId xmlns:p14="http://schemas.microsoft.com/office/powerpoint/2010/main" val="1768496212"/>
+        <p14:creationId xmlns:p14="http://schemas.microsoft.com/office/powerpoint/2010/main" val="2267798927"/>
       </p:ext>
     </p:extLst>
   </p:cSld>
@@ -991,7 +991,7 @@
           <a:p>
             <a:fld id="{3E16BAD1-43F0-43B1-94A6-F315BBC912A5}" type="slidenum">
               <a:rPr lang="it-IT" smtClean="0"/>
-              <a:t>20</a:t>
+              <a:t>19</a:t>
             </a:fld>
             <a:endParaRPr lang="it-IT"/>
           </a:p>
@@ -1000,7 +1000,7 @@
     </p:spTree>
     <p:extLst>
       <p:ext uri="{BB962C8B-B14F-4D97-AF65-F5344CB8AC3E}">
-        <p14:creationId xmlns:p14="http://schemas.microsoft.com/office/powerpoint/2010/main" val="2567275013"/>
+        <p14:creationId xmlns:p14="http://schemas.microsoft.com/office/powerpoint/2010/main" val="1768496212"/>
       </p:ext>
     </p:extLst>
   </p:cSld>
@@ -1075,7 +1075,7 @@
           <a:p>
             <a:fld id="{3E16BAD1-43F0-43B1-94A6-F315BBC912A5}" type="slidenum">
               <a:rPr lang="it-IT" smtClean="0"/>
-              <a:t>21</a:t>
+              <a:t>20</a:t>
             </a:fld>
             <a:endParaRPr lang="it-IT"/>
           </a:p>
@@ -1084,7 +1084,7 @@
     </p:spTree>
     <p:extLst>
       <p:ext uri="{BB962C8B-B14F-4D97-AF65-F5344CB8AC3E}">
-        <p14:creationId xmlns:p14="http://schemas.microsoft.com/office/powerpoint/2010/main" val="3539232314"/>
+        <p14:creationId xmlns:p14="http://schemas.microsoft.com/office/powerpoint/2010/main" val="2567275013"/>
       </p:ext>
     </p:extLst>
   </p:cSld>
@@ -1138,10 +1138,7 @@
           <a:bodyPr/>
           <a:lstStyle/>
           <a:p>
-            <a:r>
-              <a:rPr lang="it-IT" dirty="0"/>
-              <a:t>Sottolineare che tutti i prototipi sono su Assignments. Sottolineare che sono numerose.</a:t>
-            </a:r>
+            <a:endParaRPr lang="it-IT" dirty="0"/>
           </a:p>
         </p:txBody>
       </p:sp>
@@ -1162,7 +1159,7 @@
           <a:p>
             <a:fld id="{3E16BAD1-43F0-43B1-94A6-F315BBC912A5}" type="slidenum">
               <a:rPr lang="it-IT" smtClean="0"/>
-              <a:t>22</a:t>
+              <a:t>21</a:t>
             </a:fld>
             <a:endParaRPr lang="it-IT"/>
           </a:p>
@@ -1171,7 +1168,7 @@
     </p:spTree>
     <p:extLst>
       <p:ext uri="{BB962C8B-B14F-4D97-AF65-F5344CB8AC3E}">
-        <p14:creationId xmlns:p14="http://schemas.microsoft.com/office/powerpoint/2010/main" val="2821878522"/>
+        <p14:creationId xmlns:p14="http://schemas.microsoft.com/office/powerpoint/2010/main" val="3539232314"/>
       </p:ext>
     </p:extLst>
   </p:cSld>
@@ -1249,7 +1246,7 @@
           <a:p>
             <a:fld id="{3E16BAD1-43F0-43B1-94A6-F315BBC912A5}" type="slidenum">
               <a:rPr lang="it-IT" smtClean="0"/>
-              <a:t>23</a:t>
+              <a:t>22</a:t>
             </a:fld>
             <a:endParaRPr lang="it-IT"/>
           </a:p>
@@ -1258,7 +1255,7 @@
     </p:spTree>
     <p:extLst>
       <p:ext uri="{BB962C8B-B14F-4D97-AF65-F5344CB8AC3E}">
-        <p14:creationId xmlns:p14="http://schemas.microsoft.com/office/powerpoint/2010/main" val="1939151120"/>
+        <p14:creationId xmlns:p14="http://schemas.microsoft.com/office/powerpoint/2010/main" val="2821878522"/>
       </p:ext>
     </p:extLst>
   </p:cSld>
@@ -1336,7 +1333,7 @@
           <a:p>
             <a:fld id="{3E16BAD1-43F0-43B1-94A6-F315BBC912A5}" type="slidenum">
               <a:rPr lang="it-IT" smtClean="0"/>
-              <a:t>24</a:t>
+              <a:t>23</a:t>
             </a:fld>
             <a:endParaRPr lang="it-IT"/>
           </a:p>
@@ -1345,7 +1342,7 @@
     </p:spTree>
     <p:extLst>
       <p:ext uri="{BB962C8B-B14F-4D97-AF65-F5344CB8AC3E}">
-        <p14:creationId xmlns:p14="http://schemas.microsoft.com/office/powerpoint/2010/main" val="2180291805"/>
+        <p14:creationId xmlns:p14="http://schemas.microsoft.com/office/powerpoint/2010/main" val="1939151120"/>
       </p:ext>
     </p:extLst>
   </p:cSld>
@@ -1399,7 +1396,10 @@
           <a:bodyPr/>
           <a:lstStyle/>
           <a:p>
-            <a:endParaRPr lang="it-IT" dirty="0"/>
+            <a:r>
+              <a:rPr lang="it-IT" dirty="0"/>
+              <a:t>Sottolineare che tutti i prototipi sono su Assignments. Sottolineare che sono numerose.</a:t>
+            </a:r>
           </a:p>
         </p:txBody>
       </p:sp>
@@ -1420,7 +1420,7 @@
           <a:p>
             <a:fld id="{3E16BAD1-43F0-43B1-94A6-F315BBC912A5}" type="slidenum">
               <a:rPr lang="it-IT" smtClean="0"/>
-              <a:t>25</a:t>
+              <a:t>24</a:t>
             </a:fld>
             <a:endParaRPr lang="it-IT"/>
           </a:p>
@@ -1429,7 +1429,7 @@
     </p:spTree>
     <p:extLst>
       <p:ext uri="{BB962C8B-B14F-4D97-AF65-F5344CB8AC3E}">
-        <p14:creationId xmlns:p14="http://schemas.microsoft.com/office/powerpoint/2010/main" val="320283610"/>
+        <p14:creationId xmlns:p14="http://schemas.microsoft.com/office/powerpoint/2010/main" val="2180291805"/>
       </p:ext>
     </p:extLst>
   </p:cSld>
@@ -1485,7 +1485,7 @@
           <a:p>
             <a:r>
               <a:rPr lang="it-IT" dirty="0"/>
-              <a:t>Sottolineare che la presente è solo una bozza. I testi dei profili utenti sono molto narrativi e di soddisfacente lunghezza</a:t>
+              <a:t>Accennare al fatto che il questionario è stato sottomesso ad amici e familiari</a:t>
             </a:r>
           </a:p>
         </p:txBody>
@@ -1507,7 +1507,7 @@
           <a:p>
             <a:fld id="{3E16BAD1-43F0-43B1-94A6-F315BBC912A5}" type="slidenum">
               <a:rPr lang="it-IT" smtClean="0"/>
-              <a:t>8</a:t>
+              <a:t>3</a:t>
             </a:fld>
             <a:endParaRPr lang="it-IT"/>
           </a:p>
@@ -1516,7 +1516,7 @@
     </p:spTree>
     <p:extLst>
       <p:ext uri="{BB962C8B-B14F-4D97-AF65-F5344CB8AC3E}">
-        <p14:creationId xmlns:p14="http://schemas.microsoft.com/office/powerpoint/2010/main" val="3125891325"/>
+        <p14:creationId xmlns:p14="http://schemas.microsoft.com/office/powerpoint/2010/main" val="1563582880"/>
       </p:ext>
     </p:extLst>
   </p:cSld>
@@ -1570,10 +1570,7 @@
           <a:bodyPr/>
           <a:lstStyle/>
           <a:p>
-            <a:r>
-              <a:rPr lang="it-IT" dirty="0"/>
-              <a:t>Descrivere verbalmente.</a:t>
-            </a:r>
+            <a:endParaRPr lang="it-IT" dirty="0"/>
           </a:p>
         </p:txBody>
       </p:sp>
@@ -1594,7 +1591,7 @@
           <a:p>
             <a:fld id="{3E16BAD1-43F0-43B1-94A6-F315BBC912A5}" type="slidenum">
               <a:rPr lang="it-IT" smtClean="0"/>
-              <a:t>26</a:t>
+              <a:t>25</a:t>
             </a:fld>
             <a:endParaRPr lang="it-IT"/>
           </a:p>
@@ -1603,7 +1600,7 @@
     </p:spTree>
     <p:extLst>
       <p:ext uri="{BB962C8B-B14F-4D97-AF65-F5344CB8AC3E}">
-        <p14:creationId xmlns:p14="http://schemas.microsoft.com/office/powerpoint/2010/main" val="1611924470"/>
+        <p14:creationId xmlns:p14="http://schemas.microsoft.com/office/powerpoint/2010/main" val="320283610"/>
       </p:ext>
     </p:extLst>
   </p:cSld>
@@ -1657,7 +1654,10 @@
           <a:bodyPr/>
           <a:lstStyle/>
           <a:p>
-            <a:endParaRPr lang="it-IT" dirty="0"/>
+            <a:r>
+              <a:rPr lang="it-IT" dirty="0"/>
+              <a:t>Descrivere verbalmente.</a:t>
+            </a:r>
           </a:p>
         </p:txBody>
       </p:sp>
@@ -1678,7 +1678,7 @@
           <a:p>
             <a:fld id="{3E16BAD1-43F0-43B1-94A6-F315BBC912A5}" type="slidenum">
               <a:rPr lang="it-IT" smtClean="0"/>
-              <a:t>27</a:t>
+              <a:t>26</a:t>
             </a:fld>
             <a:endParaRPr lang="it-IT"/>
           </a:p>
@@ -1687,7 +1687,7 @@
     </p:spTree>
     <p:extLst>
       <p:ext uri="{BB962C8B-B14F-4D97-AF65-F5344CB8AC3E}">
-        <p14:creationId xmlns:p14="http://schemas.microsoft.com/office/powerpoint/2010/main" val="3127662150"/>
+        <p14:creationId xmlns:p14="http://schemas.microsoft.com/office/powerpoint/2010/main" val="1611924470"/>
       </p:ext>
     </p:extLst>
   </p:cSld>
@@ -1762,7 +1762,7 @@
           <a:p>
             <a:fld id="{3E16BAD1-43F0-43B1-94A6-F315BBC912A5}" type="slidenum">
               <a:rPr lang="it-IT" smtClean="0"/>
-              <a:t>28</a:t>
+              <a:t>27</a:t>
             </a:fld>
             <a:endParaRPr lang="it-IT"/>
           </a:p>
@@ -1771,7 +1771,7 @@
     </p:spTree>
     <p:extLst>
       <p:ext uri="{BB962C8B-B14F-4D97-AF65-F5344CB8AC3E}">
-        <p14:creationId xmlns:p14="http://schemas.microsoft.com/office/powerpoint/2010/main" val="2813778204"/>
+        <p14:creationId xmlns:p14="http://schemas.microsoft.com/office/powerpoint/2010/main" val="3127662150"/>
       </p:ext>
     </p:extLst>
   </p:cSld>
@@ -1846,7 +1846,7 @@
           <a:p>
             <a:fld id="{3E16BAD1-43F0-43B1-94A6-F315BBC912A5}" type="slidenum">
               <a:rPr lang="it-IT" smtClean="0"/>
-              <a:t>29</a:t>
+              <a:t>28</a:t>
             </a:fld>
             <a:endParaRPr lang="it-IT"/>
           </a:p>
@@ -1855,7 +1855,7 @@
     </p:spTree>
     <p:extLst>
       <p:ext uri="{BB962C8B-B14F-4D97-AF65-F5344CB8AC3E}">
-        <p14:creationId xmlns:p14="http://schemas.microsoft.com/office/powerpoint/2010/main" val="3477260959"/>
+        <p14:creationId xmlns:p14="http://schemas.microsoft.com/office/powerpoint/2010/main" val="2813778204"/>
       </p:ext>
     </p:extLst>
   </p:cSld>
@@ -1930,7 +1930,7 @@
           <a:p>
             <a:fld id="{3E16BAD1-43F0-43B1-94A6-F315BBC912A5}" type="slidenum">
               <a:rPr lang="it-IT" smtClean="0"/>
-              <a:t>30</a:t>
+              <a:t>29</a:t>
             </a:fld>
             <a:endParaRPr lang="it-IT"/>
           </a:p>
@@ -1939,7 +1939,7 @@
     </p:spTree>
     <p:extLst>
       <p:ext uri="{BB962C8B-B14F-4D97-AF65-F5344CB8AC3E}">
-        <p14:creationId xmlns:p14="http://schemas.microsoft.com/office/powerpoint/2010/main" val="2777233710"/>
+        <p14:creationId xmlns:p14="http://schemas.microsoft.com/office/powerpoint/2010/main" val="3477260959"/>
       </p:ext>
     </p:extLst>
   </p:cSld>
@@ -2014,7 +2014,7 @@
           <a:p>
             <a:fld id="{3E16BAD1-43F0-43B1-94A6-F315BBC912A5}" type="slidenum">
               <a:rPr lang="it-IT" smtClean="0"/>
-              <a:t>31</a:t>
+              <a:t>30</a:t>
             </a:fld>
             <a:endParaRPr lang="it-IT"/>
           </a:p>
@@ -2023,7 +2023,7 @@
     </p:spTree>
     <p:extLst>
       <p:ext uri="{BB962C8B-B14F-4D97-AF65-F5344CB8AC3E}">
-        <p14:creationId xmlns:p14="http://schemas.microsoft.com/office/powerpoint/2010/main" val="2455240660"/>
+        <p14:creationId xmlns:p14="http://schemas.microsoft.com/office/powerpoint/2010/main" val="2777233710"/>
       </p:ext>
     </p:extLst>
   </p:cSld>
@@ -2098,7 +2098,7 @@
           <a:p>
             <a:fld id="{3E16BAD1-43F0-43B1-94A6-F315BBC912A5}" type="slidenum">
               <a:rPr lang="it-IT" smtClean="0"/>
-              <a:t>32</a:t>
+              <a:t>31</a:t>
             </a:fld>
             <a:endParaRPr lang="it-IT"/>
           </a:p>
@@ -2107,7 +2107,7 @@
     </p:spTree>
     <p:extLst>
       <p:ext uri="{BB962C8B-B14F-4D97-AF65-F5344CB8AC3E}">
-        <p14:creationId xmlns:p14="http://schemas.microsoft.com/office/powerpoint/2010/main" val="3029947897"/>
+        <p14:creationId xmlns:p14="http://schemas.microsoft.com/office/powerpoint/2010/main" val="2455240660"/>
       </p:ext>
     </p:extLst>
   </p:cSld>
@@ -2182,7 +2182,7 @@
           <a:p>
             <a:fld id="{3E16BAD1-43F0-43B1-94A6-F315BBC912A5}" type="slidenum">
               <a:rPr lang="it-IT" smtClean="0"/>
-              <a:t>33</a:t>
+              <a:t>32</a:t>
             </a:fld>
             <a:endParaRPr lang="it-IT"/>
           </a:p>
@@ -2191,7 +2191,7 @@
     </p:spTree>
     <p:extLst>
       <p:ext uri="{BB962C8B-B14F-4D97-AF65-F5344CB8AC3E}">
-        <p14:creationId xmlns:p14="http://schemas.microsoft.com/office/powerpoint/2010/main" val="1042972815"/>
+        <p14:creationId xmlns:p14="http://schemas.microsoft.com/office/powerpoint/2010/main" val="3029947897"/>
       </p:ext>
     </p:extLst>
   </p:cSld>
@@ -2266,7 +2266,7 @@
           <a:p>
             <a:fld id="{3E16BAD1-43F0-43B1-94A6-F315BBC912A5}" type="slidenum">
               <a:rPr lang="it-IT" smtClean="0"/>
-              <a:t>34</a:t>
+              <a:t>33</a:t>
             </a:fld>
             <a:endParaRPr lang="it-IT"/>
           </a:p>
@@ -2275,7 +2275,7 @@
     </p:spTree>
     <p:extLst>
       <p:ext uri="{BB962C8B-B14F-4D97-AF65-F5344CB8AC3E}">
-        <p14:creationId xmlns:p14="http://schemas.microsoft.com/office/powerpoint/2010/main" val="4254523230"/>
+        <p14:creationId xmlns:p14="http://schemas.microsoft.com/office/powerpoint/2010/main" val="1042972815"/>
       </p:ext>
     </p:extLst>
   </p:cSld>
@@ -2350,7 +2350,7 @@
           <a:p>
             <a:fld id="{3E16BAD1-43F0-43B1-94A6-F315BBC912A5}" type="slidenum">
               <a:rPr lang="it-IT" smtClean="0"/>
-              <a:t>35</a:t>
+              <a:t>34</a:t>
             </a:fld>
             <a:endParaRPr lang="it-IT"/>
           </a:p>
@@ -2359,7 +2359,7 @@
     </p:spTree>
     <p:extLst>
       <p:ext uri="{BB962C8B-B14F-4D97-AF65-F5344CB8AC3E}">
-        <p14:creationId xmlns:p14="http://schemas.microsoft.com/office/powerpoint/2010/main" val="1682456400"/>
+        <p14:creationId xmlns:p14="http://schemas.microsoft.com/office/powerpoint/2010/main" val="4254523230"/>
       </p:ext>
     </p:extLst>
   </p:cSld>
@@ -2413,7 +2413,10 @@
           <a:bodyPr/>
           <a:lstStyle/>
           <a:p>
-            <a:endParaRPr lang="it-IT" dirty="0"/>
+            <a:r>
+              <a:rPr lang="it-IT" dirty="0"/>
+              <a:t>Sottolineare che la presente è solo una bozza. I testi dei profili utenti sono molto narrativi e di soddisfacente lunghezza</a:t>
+            </a:r>
           </a:p>
         </p:txBody>
       </p:sp>
@@ -2434,7 +2437,7 @@
           <a:p>
             <a:fld id="{3E16BAD1-43F0-43B1-94A6-F315BBC912A5}" type="slidenum">
               <a:rPr lang="it-IT" smtClean="0"/>
-              <a:t>9</a:t>
+              <a:t>8</a:t>
             </a:fld>
             <a:endParaRPr lang="it-IT"/>
           </a:p>
@@ -2443,7 +2446,7 @@
     </p:spTree>
     <p:extLst>
       <p:ext uri="{BB962C8B-B14F-4D97-AF65-F5344CB8AC3E}">
-        <p14:creationId xmlns:p14="http://schemas.microsoft.com/office/powerpoint/2010/main" val="3377573114"/>
+        <p14:creationId xmlns:p14="http://schemas.microsoft.com/office/powerpoint/2010/main" val="3125891325"/>
       </p:ext>
     </p:extLst>
   </p:cSld>
@@ -2518,7 +2521,7 @@
           <a:p>
             <a:fld id="{3E16BAD1-43F0-43B1-94A6-F315BBC912A5}" type="slidenum">
               <a:rPr lang="it-IT" smtClean="0"/>
-              <a:t>36</a:t>
+              <a:t>35</a:t>
             </a:fld>
             <a:endParaRPr lang="it-IT"/>
           </a:p>
@@ -2527,7 +2530,7 @@
     </p:spTree>
     <p:extLst>
       <p:ext uri="{BB962C8B-B14F-4D97-AF65-F5344CB8AC3E}">
-        <p14:creationId xmlns:p14="http://schemas.microsoft.com/office/powerpoint/2010/main" val="43975396"/>
+        <p14:creationId xmlns:p14="http://schemas.microsoft.com/office/powerpoint/2010/main" val="1682456400"/>
       </p:ext>
     </p:extLst>
   </p:cSld>
@@ -2581,10 +2584,7 @@
           <a:bodyPr/>
           <a:lstStyle/>
           <a:p>
-            <a:r>
-              <a:rPr lang="it-IT" dirty="0"/>
-              <a:t>Aprire manualmente lo screen della homepage</a:t>
-            </a:r>
+            <a:endParaRPr lang="it-IT" dirty="0"/>
           </a:p>
         </p:txBody>
       </p:sp>
@@ -2605,7 +2605,7 @@
           <a:p>
             <a:fld id="{3E16BAD1-43F0-43B1-94A6-F315BBC912A5}" type="slidenum">
               <a:rPr lang="it-IT" smtClean="0"/>
-              <a:t>37</a:t>
+              <a:t>36</a:t>
             </a:fld>
             <a:endParaRPr lang="it-IT"/>
           </a:p>
@@ -2614,7 +2614,7 @@
     </p:spTree>
     <p:extLst>
       <p:ext uri="{BB962C8B-B14F-4D97-AF65-F5344CB8AC3E}">
-        <p14:creationId xmlns:p14="http://schemas.microsoft.com/office/powerpoint/2010/main" val="2972130919"/>
+        <p14:creationId xmlns:p14="http://schemas.microsoft.com/office/powerpoint/2010/main" val="43975396"/>
       </p:ext>
     </p:extLst>
   </p:cSld>
@@ -2670,15 +2670,7 @@
           <a:p>
             <a:r>
               <a:rPr lang="it-IT" dirty="0"/>
-              <a:t>Descrivere verbalmente e sottolineare che questo è solo uno spezzone e che il cognitive </a:t>
-            </a:r>
-            <a:r>
-              <a:rPr lang="it-IT" dirty="0" err="1"/>
-              <a:t>walkthrough</a:t>
-            </a:r>
-            <a:r>
-              <a:rPr lang="it-IT" dirty="0"/>
-              <a:t> è più di 10 pagine. Ed è stato fatto per ogni task.</a:t>
+              <a:t>Aprire manualmente lo screen della homepage</a:t>
             </a:r>
           </a:p>
         </p:txBody>
@@ -2700,7 +2692,7 @@
           <a:p>
             <a:fld id="{3E16BAD1-43F0-43B1-94A6-F315BBC912A5}" type="slidenum">
               <a:rPr lang="it-IT" smtClean="0"/>
-              <a:t>38</a:t>
+              <a:t>37</a:t>
             </a:fld>
             <a:endParaRPr lang="it-IT"/>
           </a:p>
@@ -2709,7 +2701,7 @@
     </p:spTree>
     <p:extLst>
       <p:ext uri="{BB962C8B-B14F-4D97-AF65-F5344CB8AC3E}">
-        <p14:creationId xmlns:p14="http://schemas.microsoft.com/office/powerpoint/2010/main" val="3621335577"/>
+        <p14:creationId xmlns:p14="http://schemas.microsoft.com/office/powerpoint/2010/main" val="2972130919"/>
       </p:ext>
     </p:extLst>
   </p:cSld>
@@ -2765,6 +2757,101 @@
           <a:p>
             <a:r>
               <a:rPr lang="it-IT" dirty="0"/>
+              <a:t>Descrivere verbalmente e sottolineare che questo è solo uno spezzone e che il cognitive </a:t>
+            </a:r>
+            <a:r>
+              <a:rPr lang="it-IT" dirty="0" err="1"/>
+              <a:t>walkthrough</a:t>
+            </a:r>
+            <a:r>
+              <a:rPr lang="it-IT" dirty="0"/>
+              <a:t> è più di 10 pagine. Ed è stato fatto per ogni task.</a:t>
+            </a:r>
+          </a:p>
+        </p:txBody>
+      </p:sp>
+      <p:sp>
+        <p:nvSpPr>
+          <p:cNvPr id="4" name="Segnaposto numero diapositiva 3"/>
+          <p:cNvSpPr>
+            <a:spLocks noGrp="1"/>
+          </p:cNvSpPr>
+          <p:nvPr>
+            <p:ph type="sldNum" sz="quarter" idx="5"/>
+          </p:nvPr>
+        </p:nvSpPr>
+        <p:spPr/>
+        <p:txBody>
+          <a:bodyPr/>
+          <a:lstStyle/>
+          <a:p>
+            <a:fld id="{3E16BAD1-43F0-43B1-94A6-F315BBC912A5}" type="slidenum">
+              <a:rPr lang="it-IT" smtClean="0"/>
+              <a:t>38</a:t>
+            </a:fld>
+            <a:endParaRPr lang="it-IT"/>
+          </a:p>
+        </p:txBody>
+      </p:sp>
+    </p:spTree>
+    <p:extLst>
+      <p:ext uri="{BB962C8B-B14F-4D97-AF65-F5344CB8AC3E}">
+        <p14:creationId xmlns:p14="http://schemas.microsoft.com/office/powerpoint/2010/main" val="3621335577"/>
+      </p:ext>
+    </p:extLst>
+  </p:cSld>
+  <p:clrMapOvr>
+    <a:masterClrMapping/>
+  </p:clrMapOvr>
+</p:notes>
+</file>
+
+<file path=ppt/notesSlides/notesSlide34.xml><?xml version="1.0" encoding="utf-8"?>
+<p:notes xmlns:a="http://schemas.openxmlformats.org/drawingml/2006/main" xmlns:r="http://schemas.openxmlformats.org/officeDocument/2006/relationships" xmlns:p="http://schemas.openxmlformats.org/presentationml/2006/main">
+  <p:cSld>
+    <p:spTree>
+      <p:nvGrpSpPr>
+        <p:cNvPr id="1" name=""/>
+        <p:cNvGrpSpPr/>
+        <p:nvPr/>
+      </p:nvGrpSpPr>
+      <p:grpSpPr>
+        <a:xfrm>
+          <a:off x="0" y="0"/>
+          <a:ext cx="0" cy="0"/>
+          <a:chOff x="0" y="0"/>
+          <a:chExt cx="0" cy="0"/>
+        </a:xfrm>
+      </p:grpSpPr>
+      <p:sp>
+        <p:nvSpPr>
+          <p:cNvPr id="2" name="Segnaposto immagine diapositiva 1"/>
+          <p:cNvSpPr>
+            <a:spLocks noGrp="1" noRot="1" noChangeAspect="1"/>
+          </p:cNvSpPr>
+          <p:nvPr>
+            <p:ph type="sldImg"/>
+          </p:nvPr>
+        </p:nvSpPr>
+        <p:spPr/>
+      </p:sp>
+      <p:sp>
+        <p:nvSpPr>
+          <p:cNvPr id="3" name="Segnaposto note 2"/>
+          <p:cNvSpPr>
+            <a:spLocks noGrp="1"/>
+          </p:cNvSpPr>
+          <p:nvPr>
+            <p:ph type="body" idx="1"/>
+          </p:nvPr>
+        </p:nvSpPr>
+        <p:spPr/>
+        <p:txBody>
+          <a:bodyPr/>
+          <a:lstStyle/>
+          <a:p>
+            <a:r>
+              <a:rPr lang="it-IT" dirty="0"/>
               <a:t>Parlare a grandi linee di quanto svolto nell’</a:t>
             </a:r>
             <a:r>
@@ -2814,7 +2901,7 @@
 </p:notes>
 </file>
 
-<file path=ppt/notesSlides/notesSlide34.xml><?xml version="1.0" encoding="utf-8"?>
+<file path=ppt/notesSlides/notesSlide35.xml><?xml version="1.0" encoding="utf-8"?>
 <p:notes xmlns:a="http://schemas.openxmlformats.org/drawingml/2006/main" xmlns:r="http://schemas.openxmlformats.org/officeDocument/2006/relationships" xmlns:p="http://schemas.openxmlformats.org/presentationml/2006/main">
   <p:cSld>
     <p:spTree>
@@ -2974,7 +3061,7 @@
           <a:p>
             <a:fld id="{3E16BAD1-43F0-43B1-94A6-F315BBC912A5}" type="slidenum">
               <a:rPr lang="it-IT" smtClean="0"/>
-              <a:t>10</a:t>
+              <a:t>9</a:t>
             </a:fld>
             <a:endParaRPr lang="it-IT"/>
           </a:p>
@@ -2983,7 +3070,7 @@
     </p:spTree>
     <p:extLst>
       <p:ext uri="{BB962C8B-B14F-4D97-AF65-F5344CB8AC3E}">
-        <p14:creationId xmlns:p14="http://schemas.microsoft.com/office/powerpoint/2010/main" val="3489526604"/>
+        <p14:creationId xmlns:p14="http://schemas.microsoft.com/office/powerpoint/2010/main" val="3377573114"/>
       </p:ext>
     </p:extLst>
   </p:cSld>
@@ -3058,7 +3145,7 @@
           <a:p>
             <a:fld id="{3E16BAD1-43F0-43B1-94A6-F315BBC912A5}" type="slidenum">
               <a:rPr lang="it-IT" smtClean="0"/>
-              <a:t>11</a:t>
+              <a:t>10</a:t>
             </a:fld>
             <a:endParaRPr lang="it-IT"/>
           </a:p>
@@ -3067,7 +3154,7 @@
     </p:spTree>
     <p:extLst>
       <p:ext uri="{BB962C8B-B14F-4D97-AF65-F5344CB8AC3E}">
-        <p14:creationId xmlns:p14="http://schemas.microsoft.com/office/powerpoint/2010/main" val="3725274774"/>
+        <p14:creationId xmlns:p14="http://schemas.microsoft.com/office/powerpoint/2010/main" val="3489526604"/>
       </p:ext>
     </p:extLst>
   </p:cSld>
@@ -3121,10 +3208,7 @@
           <a:bodyPr/>
           <a:lstStyle/>
           <a:p>
-            <a:r>
-              <a:rPr lang="it-IT" dirty="0"/>
-              <a:t>Sottolineare che sono stati stilati vari scenari, corposi ed esaurienti</a:t>
-            </a:r>
+            <a:endParaRPr lang="it-IT" dirty="0"/>
           </a:p>
         </p:txBody>
       </p:sp>
@@ -3145,7 +3229,7 @@
           <a:p>
             <a:fld id="{3E16BAD1-43F0-43B1-94A6-F315BBC912A5}" type="slidenum">
               <a:rPr lang="it-IT" smtClean="0"/>
-              <a:t>12</a:t>
+              <a:t>11</a:t>
             </a:fld>
             <a:endParaRPr lang="it-IT"/>
           </a:p>
@@ -3154,7 +3238,7 @@
     </p:spTree>
     <p:extLst>
       <p:ext uri="{BB962C8B-B14F-4D97-AF65-F5344CB8AC3E}">
-        <p14:creationId xmlns:p14="http://schemas.microsoft.com/office/powerpoint/2010/main" val="809914065"/>
+        <p14:creationId xmlns:p14="http://schemas.microsoft.com/office/powerpoint/2010/main" val="3725274774"/>
       </p:ext>
     </p:extLst>
   </p:cSld>
@@ -3232,7 +3316,7 @@
           <a:p>
             <a:fld id="{3E16BAD1-43F0-43B1-94A6-F315BBC912A5}" type="slidenum">
               <a:rPr lang="it-IT" smtClean="0"/>
-              <a:t>13</a:t>
+              <a:t>12</a:t>
             </a:fld>
             <a:endParaRPr lang="it-IT"/>
           </a:p>
@@ -3241,7 +3325,7 @@
     </p:spTree>
     <p:extLst>
       <p:ext uri="{BB962C8B-B14F-4D97-AF65-F5344CB8AC3E}">
-        <p14:creationId xmlns:p14="http://schemas.microsoft.com/office/powerpoint/2010/main" val="2505294708"/>
+        <p14:creationId xmlns:p14="http://schemas.microsoft.com/office/powerpoint/2010/main" val="809914065"/>
       </p:ext>
     </p:extLst>
   </p:cSld>
@@ -3297,7 +3381,7 @@
           <a:p>
             <a:r>
               <a:rPr lang="it-IT" dirty="0"/>
-              <a:t>Dire che negli assignments, per ogni analisi comparativa è presente una descrizione del sito comparato e di cosa si può discernere per quelli che sono i nostri obiettivi</a:t>
+              <a:t>Sottolineare che sono stati stilati vari scenari, corposi ed esaurienti</a:t>
             </a:r>
           </a:p>
         </p:txBody>
@@ -3319,7 +3403,7 @@
           <a:p>
             <a:fld id="{3E16BAD1-43F0-43B1-94A6-F315BBC912A5}" type="slidenum">
               <a:rPr lang="it-IT" smtClean="0"/>
-              <a:t>14</a:t>
+              <a:t>13</a:t>
             </a:fld>
             <a:endParaRPr lang="it-IT"/>
           </a:p>
@@ -3328,7 +3412,7 @@
     </p:spTree>
     <p:extLst>
       <p:ext uri="{BB962C8B-B14F-4D97-AF65-F5344CB8AC3E}">
-        <p14:creationId xmlns:p14="http://schemas.microsoft.com/office/powerpoint/2010/main" val="3843624478"/>
+        <p14:creationId xmlns:p14="http://schemas.microsoft.com/office/powerpoint/2010/main" val="2505294708"/>
       </p:ext>
     </p:extLst>
   </p:cSld>
@@ -3384,7 +3468,7 @@
           <a:p>
             <a:r>
               <a:rPr lang="it-IT" dirty="0"/>
-              <a:t>Descrivere a grandi linee i due profili utente</a:t>
+              <a:t>Dire che negli assignments, per ogni analisi comparativa è presente una descrizione del sito comparato e di cosa si può discernere per quelli che sono i nostri obiettivi</a:t>
             </a:r>
           </a:p>
         </p:txBody>
@@ -3406,7 +3490,7 @@
           <a:p>
             <a:fld id="{3E16BAD1-43F0-43B1-94A6-F315BBC912A5}" type="slidenum">
               <a:rPr lang="it-IT" smtClean="0"/>
-              <a:t>15</a:t>
+              <a:t>14</a:t>
             </a:fld>
             <a:endParaRPr lang="it-IT"/>
           </a:p>
@@ -3415,7 +3499,7 @@
     </p:spTree>
     <p:extLst>
       <p:ext uri="{BB962C8B-B14F-4D97-AF65-F5344CB8AC3E}">
-        <p14:creationId xmlns:p14="http://schemas.microsoft.com/office/powerpoint/2010/main" val="1075279343"/>
+        <p14:creationId xmlns:p14="http://schemas.microsoft.com/office/powerpoint/2010/main" val="3843624478"/>
       </p:ext>
     </p:extLst>
   </p:cSld>
@@ -3572,7 +3656,7 @@
           <a:p>
             <a:fld id="{FEC8B477-8A51-40C7-A507-5EEEFFED324B}" type="datetime1">
               <a:rPr lang="it-IT" smtClean="0"/>
-              <a:t>12/07/2022</a:t>
+              <a:t>13/07/2022</a:t>
             </a:fld>
             <a:endParaRPr lang="it-IT"/>
           </a:p>
@@ -3770,7 +3854,7 @@
           <a:p>
             <a:fld id="{4EE1D305-F8FB-47D7-8167-8671C653D72B}" type="datetime1">
               <a:rPr lang="it-IT" smtClean="0"/>
-              <a:t>12/07/2022</a:t>
+              <a:t>13/07/2022</a:t>
             </a:fld>
             <a:endParaRPr lang="it-IT"/>
           </a:p>
@@ -3978,7 +4062,7 @@
           <a:p>
             <a:fld id="{60B3684C-E05C-4410-9DF2-919C923303A7}" type="datetime1">
               <a:rPr lang="it-IT" smtClean="0"/>
-              <a:t>12/07/2022</a:t>
+              <a:t>13/07/2022</a:t>
             </a:fld>
             <a:endParaRPr lang="it-IT"/>
           </a:p>
@@ -4176,7 +4260,7 @@
           <a:p>
             <a:fld id="{5DAAD006-FAF9-488E-9114-4EF3BA2F5D94}" type="datetime1">
               <a:rPr lang="it-IT" smtClean="0"/>
-              <a:t>12/07/2022</a:t>
+              <a:t>13/07/2022</a:t>
             </a:fld>
             <a:endParaRPr lang="it-IT"/>
           </a:p>
@@ -4451,7 +4535,7 @@
           <a:p>
             <a:fld id="{F7352839-AEB5-4E5B-991B-8F1107C211CA}" type="datetime1">
               <a:rPr lang="it-IT" smtClean="0"/>
-              <a:t>12/07/2022</a:t>
+              <a:t>13/07/2022</a:t>
             </a:fld>
             <a:endParaRPr lang="it-IT"/>
           </a:p>
@@ -4716,7 +4800,7 @@
           <a:p>
             <a:fld id="{F09F4DC0-B37C-4260-9BFC-71BA2C9F52C9}" type="datetime1">
               <a:rPr lang="it-IT" smtClean="0"/>
-              <a:t>12/07/2022</a:t>
+              <a:t>13/07/2022</a:t>
             </a:fld>
             <a:endParaRPr lang="it-IT"/>
           </a:p>
@@ -5128,7 +5212,7 @@
           <a:p>
             <a:fld id="{AE45C72E-E087-404D-A58C-1A1733E7C072}" type="datetime1">
               <a:rPr lang="it-IT" smtClean="0"/>
-              <a:t>12/07/2022</a:t>
+              <a:t>13/07/2022</a:t>
             </a:fld>
             <a:endParaRPr lang="it-IT"/>
           </a:p>
@@ -5269,7 +5353,7 @@
           <a:p>
             <a:fld id="{355FFB4E-3D61-461C-9DC2-4EB29F860F48}" type="datetime1">
               <a:rPr lang="it-IT" smtClean="0"/>
-              <a:t>12/07/2022</a:t>
+              <a:t>13/07/2022</a:t>
             </a:fld>
             <a:endParaRPr lang="it-IT"/>
           </a:p>
@@ -5382,7 +5466,7 @@
           <a:p>
             <a:fld id="{63C41B7A-A997-44A4-83D6-440247118224}" type="datetime1">
               <a:rPr lang="it-IT" smtClean="0"/>
-              <a:t>12/07/2022</a:t>
+              <a:t>13/07/2022</a:t>
             </a:fld>
             <a:endParaRPr lang="it-IT"/>
           </a:p>
@@ -5693,7 +5777,7 @@
           <a:p>
             <a:fld id="{577B4FF3-D776-4974-88D4-3DE5C1F57D70}" type="datetime1">
               <a:rPr lang="it-IT" smtClean="0"/>
-              <a:t>12/07/2022</a:t>
+              <a:t>13/07/2022</a:t>
             </a:fld>
             <a:endParaRPr lang="it-IT"/>
           </a:p>
@@ -5981,7 +6065,7 @@
           <a:p>
             <a:fld id="{231E61ED-FA43-475A-BB64-58BE186B4EBD}" type="datetime1">
               <a:rPr lang="it-IT" smtClean="0"/>
-              <a:t>12/07/2022</a:t>
+              <a:t>13/07/2022</a:t>
             </a:fld>
             <a:endParaRPr lang="it-IT"/>
           </a:p>
@@ -6222,7 +6306,7 @@
           <a:p>
             <a:fld id="{88A2DC17-DD2F-471E-970F-6558B4E4A316}" type="datetime1">
               <a:rPr lang="it-IT" smtClean="0"/>
-              <a:t>12/07/2022</a:t>
+              <a:t>13/07/2022</a:t>
             </a:fld>
             <a:endParaRPr lang="it-IT"/>
           </a:p>
@@ -7265,7 +7349,7 @@
           <p:nvPr/>
         </p:nvPicPr>
         <p:blipFill>
-          <a:blip r:embed="rId2">
+          <a:blip r:embed="rId3">
             <a:extLst>
               <a:ext uri="{28A0092B-C50C-407E-A947-70E740481C1C}">
                 <a14:useLocalDpi xmlns:a14="http://schemas.microsoft.com/office/drawing/2010/main" val="0"/>
@@ -7278,7 +7362,7 @@
         </p:blipFill>
         <p:spPr>
           <a:xfrm>
-            <a:off x="3107328" y="643083"/>
+            <a:off x="3012710" y="643083"/>
             <a:ext cx="6166580" cy="2124619"/>
           </a:xfrm>
           <a:prstGeom prst="rect">
@@ -7350,7 +7434,7 @@
             </a:fld>
             <a:r>
               <a:rPr lang="it-IT" sz="1400" dirty="0"/>
-              <a:t> di X</a:t>
+              <a:t> di 40</a:t>
             </a:r>
           </a:p>
         </p:txBody>
@@ -7564,7 +7648,7 @@
             </a:fld>
             <a:r>
               <a:rPr lang="it-IT" sz="1400" dirty="0"/>
-              <a:t> di X</a:t>
+              <a:t> di 40</a:t>
             </a:r>
           </a:p>
         </p:txBody>
@@ -7597,7 +7681,7 @@
         </p:blipFill>
         <p:spPr>
           <a:xfrm>
-            <a:off x="0" y="4612215"/>
+            <a:off x="-1" y="4569747"/>
             <a:ext cx="12192000" cy="3386667"/>
           </a:xfrm>
           <a:prstGeom prst="rect">
@@ -7818,7 +7902,7 @@
             </a:fld>
             <a:r>
               <a:rPr lang="it-IT" sz="1400" dirty="0"/>
-              <a:t> di X</a:t>
+              <a:t> di 40</a:t>
             </a:r>
           </a:p>
         </p:txBody>
@@ -8092,7 +8176,7 @@
             </a:fld>
             <a:r>
               <a:rPr lang="it-IT" sz="1400" dirty="0"/>
-              <a:t> di X</a:t>
+              <a:t> di 40</a:t>
             </a:r>
           </a:p>
         </p:txBody>
@@ -8397,7 +8481,7 @@
             </a:fld>
             <a:r>
               <a:rPr lang="it-IT" sz="1400" dirty="0"/>
-              <a:t> di X</a:t>
+              <a:t> di 40</a:t>
             </a:r>
           </a:p>
         </p:txBody>
@@ -8641,7 +8725,7 @@
             </a:fld>
             <a:r>
               <a:rPr lang="it-IT" sz="1400" dirty="0"/>
-              <a:t> di X</a:t>
+              <a:t> di 40</a:t>
             </a:r>
           </a:p>
         </p:txBody>
@@ -8924,7 +9008,7 @@
             </a:fld>
             <a:r>
               <a:rPr lang="it-IT" sz="1400" dirty="0"/>
-              <a:t> di X</a:t>
+              <a:t> di 40</a:t>
             </a:r>
           </a:p>
         </p:txBody>
@@ -9290,7 +9374,7 @@
             </a:fld>
             <a:r>
               <a:rPr lang="it-IT" sz="1400" dirty="0"/>
-              <a:t> di X</a:t>
+              <a:t> di 40</a:t>
             </a:r>
           </a:p>
         </p:txBody>
@@ -9504,7 +9588,7 @@
             </a:fld>
             <a:r>
               <a:rPr lang="it-IT" sz="1400" dirty="0"/>
-              <a:t> di X</a:t>
+              <a:t> di 40</a:t>
             </a:r>
           </a:p>
         </p:txBody>
@@ -9792,7 +9876,7 @@
             </a:fld>
             <a:r>
               <a:rPr lang="it-IT" sz="1400" dirty="0"/>
-              <a:t> di X</a:t>
+              <a:t> di 40</a:t>
             </a:r>
           </a:p>
         </p:txBody>
@@ -10011,7 +10095,7 @@
             </a:fld>
             <a:r>
               <a:rPr lang="it-IT" sz="1400" dirty="0"/>
-              <a:t> di X</a:t>
+              <a:t> di 40</a:t>
             </a:r>
           </a:p>
         </p:txBody>
@@ -10422,7 +10506,7 @@
             </a:fld>
             <a:r>
               <a:rPr lang="it-IT" sz="1400" dirty="0"/>
-              <a:t> di X</a:t>
+              <a:t> di 40</a:t>
             </a:r>
           </a:p>
         </p:txBody>
@@ -10641,7 +10725,7 @@
             </a:fld>
             <a:r>
               <a:rPr lang="it-IT" sz="1400" dirty="0"/>
-              <a:t> di X</a:t>
+              <a:t> di 40</a:t>
             </a:r>
           </a:p>
         </p:txBody>
@@ -10674,7 +10758,7 @@
         </p:blipFill>
         <p:spPr>
           <a:xfrm>
-            <a:off x="0" y="4612215"/>
+            <a:off x="-1" y="4612215"/>
             <a:ext cx="12192000" cy="3386667"/>
           </a:xfrm>
           <a:prstGeom prst="rect">
@@ -10860,7 +10944,7 @@
             </a:fld>
             <a:r>
               <a:rPr lang="it-IT" sz="1400" dirty="0"/>
-              <a:t> di X</a:t>
+              <a:t> di 40</a:t>
             </a:r>
           </a:p>
         </p:txBody>
@@ -11179,7 +11263,7 @@
             </a:fld>
             <a:r>
               <a:rPr lang="it-IT" sz="1400" dirty="0"/>
-              <a:t> di X</a:t>
+              <a:t> di 40</a:t>
             </a:r>
           </a:p>
         </p:txBody>
@@ -11423,7 +11507,7 @@
             </a:fld>
             <a:r>
               <a:rPr lang="it-IT" sz="1400" dirty="0"/>
-              <a:t> di X</a:t>
+              <a:t> di 40</a:t>
             </a:r>
           </a:p>
         </p:txBody>
@@ -11667,7 +11751,7 @@
             </a:fld>
             <a:r>
               <a:rPr lang="it-IT" sz="1400" dirty="0"/>
-              <a:t> di X</a:t>
+              <a:t> di 40</a:t>
             </a:r>
           </a:p>
         </p:txBody>
@@ -11956,7 +12040,7 @@
             </a:fld>
             <a:r>
               <a:rPr lang="it-IT" sz="1400" dirty="0"/>
-              <a:t> di X</a:t>
+              <a:t> di 40</a:t>
             </a:r>
           </a:p>
         </p:txBody>
@@ -12210,7 +12294,7 @@
             </a:fld>
             <a:r>
               <a:rPr lang="it-IT" sz="1400" dirty="0"/>
-              <a:t> di X</a:t>
+              <a:t> di 40</a:t>
             </a:r>
           </a:p>
         </p:txBody>
@@ -12506,7 +12590,7 @@
             </a:fld>
             <a:r>
               <a:rPr lang="it-IT" sz="1400" dirty="0"/>
-              <a:t> di X</a:t>
+              <a:t> di 40</a:t>
             </a:r>
           </a:p>
         </p:txBody>
@@ -12760,7 +12844,7 @@
             </a:fld>
             <a:r>
               <a:rPr lang="it-IT" sz="1400" dirty="0"/>
-              <a:t> di X</a:t>
+              <a:t> di 40</a:t>
             </a:r>
           </a:p>
         </p:txBody>
@@ -13014,7 +13098,7 @@
             </a:fld>
             <a:r>
               <a:rPr lang="it-IT" sz="1400" dirty="0"/>
-              <a:t> di X</a:t>
+              <a:t> di 40</a:t>
             </a:r>
           </a:p>
         </p:txBody>
@@ -13405,7 +13489,7 @@
             </a:fld>
             <a:r>
               <a:rPr lang="it-IT" sz="1400" dirty="0"/>
-              <a:t> di X</a:t>
+              <a:t> di 40</a:t>
             </a:r>
           </a:p>
         </p:txBody>
@@ -13659,7 +13743,7 @@
             </a:fld>
             <a:r>
               <a:rPr lang="it-IT" sz="1400" dirty="0"/>
-              <a:t> di X</a:t>
+              <a:t> di 40</a:t>
             </a:r>
           </a:p>
         </p:txBody>
@@ -13990,7 +14074,7 @@
             </a:fld>
             <a:r>
               <a:rPr lang="it-IT" sz="1400" dirty="0"/>
-              <a:t> di X</a:t>
+              <a:t> di 40</a:t>
             </a:r>
           </a:p>
         </p:txBody>
@@ -14316,7 +14400,7 @@
             </a:fld>
             <a:r>
               <a:rPr lang="it-IT" sz="1400" dirty="0"/>
-              <a:t> di X</a:t>
+              <a:t> di 40</a:t>
             </a:r>
           </a:p>
         </p:txBody>
@@ -14580,7 +14664,7 @@
             </a:fld>
             <a:r>
               <a:rPr lang="it-IT" sz="1400" dirty="0"/>
-              <a:t> di X</a:t>
+              <a:t> di 40</a:t>
             </a:r>
           </a:p>
         </p:txBody>
@@ -14794,7 +14878,7 @@
             </a:fld>
             <a:r>
               <a:rPr lang="it-IT" sz="1400" dirty="0"/>
-              <a:t> di X</a:t>
+              <a:t> di 40</a:t>
             </a:r>
           </a:p>
         </p:txBody>
@@ -15008,7 +15092,7 @@
             </a:fld>
             <a:r>
               <a:rPr lang="it-IT" sz="1400" dirty="0"/>
-              <a:t> di X</a:t>
+              <a:t> di 40</a:t>
             </a:r>
           </a:p>
         </p:txBody>
@@ -15222,7 +15306,7 @@
             </a:fld>
             <a:r>
               <a:rPr lang="it-IT" sz="1400" dirty="0"/>
-              <a:t> di X</a:t>
+              <a:t> di 40</a:t>
             </a:r>
           </a:p>
         </p:txBody>
@@ -15751,7 +15835,7 @@
             </a:fld>
             <a:r>
               <a:rPr lang="it-IT" sz="1400" dirty="0"/>
-              <a:t> di X</a:t>
+              <a:t> di 40</a:t>
             </a:r>
           </a:p>
         </p:txBody>
@@ -16078,7 +16162,7 @@
             </a:fld>
             <a:r>
               <a:rPr lang="it-IT" sz="1400" dirty="0"/>
-              <a:t> di X</a:t>
+              <a:t> di 40</a:t>
             </a:r>
           </a:p>
         </p:txBody>
@@ -16666,7 +16750,7 @@
             </a:fld>
             <a:r>
               <a:rPr lang="it-IT" sz="1400" dirty="0"/>
-              <a:t> di X</a:t>
+              <a:t> di 40</a:t>
             </a:r>
           </a:p>
         </p:txBody>
@@ -16837,7 +16921,7 @@
             </a:fld>
             <a:r>
               <a:rPr lang="it-IT" sz="1400" dirty="0"/>
-              <a:t> di X</a:t>
+              <a:t> di 40</a:t>
             </a:r>
           </a:p>
         </p:txBody>
@@ -16870,7 +16954,7 @@
         </p:blipFill>
         <p:spPr>
           <a:xfrm>
-            <a:off x="0" y="4612215"/>
+            <a:off x="-1" y="4612215"/>
             <a:ext cx="12192000" cy="3386667"/>
           </a:xfrm>
           <a:prstGeom prst="rect">
@@ -17008,7 +17092,7 @@
             </a:fld>
             <a:r>
               <a:rPr lang="it-IT" sz="1400" dirty="0"/>
-              <a:t> di X</a:t>
+              <a:t> di 40</a:t>
             </a:r>
           </a:p>
         </p:txBody>
@@ -17179,7 +17263,7 @@
             </a:fld>
             <a:r>
               <a:rPr lang="it-IT" sz="1400" dirty="0"/>
-              <a:t> di X</a:t>
+              <a:t> di 40</a:t>
             </a:r>
           </a:p>
         </p:txBody>
@@ -17212,7 +17296,7 @@
         </p:blipFill>
         <p:spPr>
           <a:xfrm>
-            <a:off x="0" y="4612215"/>
+            <a:off x="-1" y="4612215"/>
             <a:ext cx="12192000" cy="3386667"/>
           </a:xfrm>
           <a:prstGeom prst="rect">
@@ -17601,7 +17685,7 @@
             </a:fld>
             <a:r>
               <a:rPr lang="it-IT" sz="1400" dirty="0"/>
-              <a:t> di X</a:t>
+              <a:t> di 40</a:t>
             </a:r>
           </a:p>
         </p:txBody>
